--- a/Day32/DockerAndKubernetes_Training-Day32.pptx
+++ b/Day32/DockerAndKubernetes_Training-Day32.pptx
@@ -13664,7 +13664,7 @@
           <a:p>
             <a:r>
               <a:rPr lang="en-US" sz="4800" b="1" i="1" dirty="0"/>
-              <a:t>DAY 30</a:t>
+              <a:t>DAY 32</a:t>
             </a:r>
             <a:endParaRPr lang="en-IN" sz="4800" b="1" i="1" dirty="0"/>
           </a:p>
@@ -14076,8 +14076,12 @@
           </a:p>
           <a:p>
             <a:r>
+              <a:rPr lang="en-US" dirty="0" err="1"/>
+              <a:t>pv</a:t>
+            </a:r>
+            <a:r>
               <a:rPr lang="en-US" dirty="0"/>
-              <a:t>PV and </a:t>
+              <a:t> and </a:t>
             </a:r>
             <a:r>
               <a:rPr lang="en-US" dirty="0" err="1"/>
@@ -14097,7 +14101,7 @@
           <a:p>
             <a:r>
               <a:rPr lang="en-US" dirty="0" err="1"/>
-              <a:t>statefulset</a:t>
+              <a:t>statefulSet</a:t>
             </a:r>
             <a:r>
               <a:rPr lang="en-US" dirty="0"/>
@@ -14107,7 +14111,7 @@
           <a:p>
             <a:r>
               <a:rPr lang="en-US" dirty="0" err="1"/>
-              <a:t>Statefulset</a:t>
+              <a:t>StatefulSet</a:t>
             </a:r>
             <a:r>
               <a:rPr lang="en-US" dirty="0"/>
